--- a/Files/img/icons/design.pptx
+++ b/Files/img/icons/design.pptx
@@ -11,7 +11,8 @@
     <p:sldId id="259" r:id="rId5"/>
     <p:sldId id="258" r:id="rId6"/>
     <p:sldId id="262" r:id="rId7"/>
-    <p:sldId id="263" r:id="rId8"/>
+    <p:sldId id="264" r:id="rId8"/>
+    <p:sldId id="263" r:id="rId9"/>
   </p:sldIdLst>
   <p:sldSz cx="12192000" cy="6858000"/>
   <p:notesSz cx="6858000" cy="9144000"/>
@@ -249,7 +250,7 @@
           <a:p>
             <a:fld id="{CC428904-F1C2-4D26-8D70-F5FEF6F0A606}" type="datetimeFigureOut">
               <a:rPr lang="en-US" smtClean="0"/>
-              <a:t>4/7/2016</a:t>
+              <a:t>2016-05-22</a:t>
             </a:fld>
             <a:endParaRPr lang="en-US"/>
           </a:p>
@@ -419,7 +420,7 @@
           <a:p>
             <a:fld id="{CC428904-F1C2-4D26-8D70-F5FEF6F0A606}" type="datetimeFigureOut">
               <a:rPr lang="en-US" smtClean="0"/>
-              <a:t>4/7/2016</a:t>
+              <a:t>2016-05-22</a:t>
             </a:fld>
             <a:endParaRPr lang="en-US"/>
           </a:p>
@@ -599,7 +600,7 @@
           <a:p>
             <a:fld id="{CC428904-F1C2-4D26-8D70-F5FEF6F0A606}" type="datetimeFigureOut">
               <a:rPr lang="en-US" smtClean="0"/>
-              <a:t>4/7/2016</a:t>
+              <a:t>2016-05-22</a:t>
             </a:fld>
             <a:endParaRPr lang="en-US"/>
           </a:p>
@@ -769,7 +770,7 @@
           <a:p>
             <a:fld id="{CC428904-F1C2-4D26-8D70-F5FEF6F0A606}" type="datetimeFigureOut">
               <a:rPr lang="en-US" smtClean="0"/>
-              <a:t>4/7/2016</a:t>
+              <a:t>2016-05-22</a:t>
             </a:fld>
             <a:endParaRPr lang="en-US"/>
           </a:p>
@@ -1015,7 +1016,7 @@
           <a:p>
             <a:fld id="{CC428904-F1C2-4D26-8D70-F5FEF6F0A606}" type="datetimeFigureOut">
               <a:rPr lang="en-US" smtClean="0"/>
-              <a:t>4/7/2016</a:t>
+              <a:t>2016-05-22</a:t>
             </a:fld>
             <a:endParaRPr lang="en-US"/>
           </a:p>
@@ -1247,7 +1248,7 @@
           <a:p>
             <a:fld id="{CC428904-F1C2-4D26-8D70-F5FEF6F0A606}" type="datetimeFigureOut">
               <a:rPr lang="en-US" smtClean="0"/>
-              <a:t>4/7/2016</a:t>
+              <a:t>2016-05-22</a:t>
             </a:fld>
             <a:endParaRPr lang="en-US"/>
           </a:p>
@@ -1614,7 +1615,7 @@
           <a:p>
             <a:fld id="{CC428904-F1C2-4D26-8D70-F5FEF6F0A606}" type="datetimeFigureOut">
               <a:rPr lang="en-US" smtClean="0"/>
-              <a:t>4/7/2016</a:t>
+              <a:t>2016-05-22</a:t>
             </a:fld>
             <a:endParaRPr lang="en-US"/>
           </a:p>
@@ -1732,7 +1733,7 @@
           <a:p>
             <a:fld id="{CC428904-F1C2-4D26-8D70-F5FEF6F0A606}" type="datetimeFigureOut">
               <a:rPr lang="en-US" smtClean="0"/>
-              <a:t>4/7/2016</a:t>
+              <a:t>2016-05-22</a:t>
             </a:fld>
             <a:endParaRPr lang="en-US"/>
           </a:p>
@@ -1827,7 +1828,7 @@
           <a:p>
             <a:fld id="{CC428904-F1C2-4D26-8D70-F5FEF6F0A606}" type="datetimeFigureOut">
               <a:rPr lang="en-US" smtClean="0"/>
-              <a:t>4/7/2016</a:t>
+              <a:t>2016-05-22</a:t>
             </a:fld>
             <a:endParaRPr lang="en-US"/>
           </a:p>
@@ -2104,7 +2105,7 @@
           <a:p>
             <a:fld id="{CC428904-F1C2-4D26-8D70-F5FEF6F0A606}" type="datetimeFigureOut">
               <a:rPr lang="en-US" smtClean="0"/>
-              <a:t>4/7/2016</a:t>
+              <a:t>2016-05-22</a:t>
             </a:fld>
             <a:endParaRPr lang="en-US"/>
           </a:p>
@@ -2357,7 +2358,7 @@
           <a:p>
             <a:fld id="{CC428904-F1C2-4D26-8D70-F5FEF6F0A606}" type="datetimeFigureOut">
               <a:rPr lang="en-US" smtClean="0"/>
-              <a:t>4/7/2016</a:t>
+              <a:t>2016-05-22</a:t>
             </a:fld>
             <a:endParaRPr lang="en-US"/>
           </a:p>
@@ -2570,7 +2571,7 @@
           <a:p>
             <a:fld id="{CC428904-F1C2-4D26-8D70-F5FEF6F0A606}" type="datetimeFigureOut">
               <a:rPr lang="en-US" smtClean="0"/>
-              <a:t>4/7/2016</a:t>
+              <a:t>2016-05-22</a:t>
             </a:fld>
             <a:endParaRPr lang="en-US"/>
           </a:p>
@@ -4806,6 +4807,154 @@
     </p:spTree>
     <p:extLst>
       <p:ext uri="{BB962C8B-B14F-4D97-AF65-F5344CB8AC3E}">
+        <p14:creationId xmlns:p14="http://schemas.microsoft.com/office/powerpoint/2010/main" val="829015734"/>
+      </p:ext>
+    </p:extLst>
+  </p:cSld>
+  <p:clrMapOvr>
+    <a:masterClrMapping/>
+  </p:clrMapOvr>
+  <p:timing>
+    <p:tnLst>
+      <p:par>
+        <p:cTn id="1" dur="indefinite" restart="never" nodeType="tmRoot"/>
+      </p:par>
+    </p:tnLst>
+  </p:timing>
+</p:sld>
+</file>
+
+<file path=ppt/slides/slide8.xml><?xml version="1.0" encoding="utf-8"?>
+<p:sld xmlns:a="http://schemas.openxmlformats.org/drawingml/2006/main" xmlns:r="http://schemas.openxmlformats.org/officeDocument/2006/relationships" xmlns:p="http://schemas.openxmlformats.org/presentationml/2006/main">
+  <p:cSld>
+    <p:spTree>
+      <p:nvGrpSpPr>
+        <p:cNvPr id="1" name=""/>
+        <p:cNvGrpSpPr/>
+        <p:nvPr/>
+      </p:nvGrpSpPr>
+      <p:grpSpPr>
+        <a:xfrm>
+          <a:off x="0" y="0"/>
+          <a:ext cx="0" cy="0"/>
+          <a:chOff x="0" y="0"/>
+          <a:chExt cx="0" cy="0"/>
+        </a:xfrm>
+      </p:grpSpPr>
+      <p:grpSp>
+        <p:nvGrpSpPr>
+          <p:cNvPr id="20" name="Group 19"/>
+          <p:cNvGrpSpPr/>
+          <p:nvPr/>
+        </p:nvGrpSpPr>
+        <p:grpSpPr>
+          <a:xfrm>
+            <a:off x="0" y="-1"/>
+            <a:ext cx="3433571" cy="4572000"/>
+            <a:chOff x="0" y="-1"/>
+            <a:chExt cx="3433571" cy="4572000"/>
+          </a:xfrm>
+        </p:grpSpPr>
+        <p:sp>
+          <p:nvSpPr>
+            <p:cNvPr id="13" name="Rectangle 12"/>
+            <p:cNvSpPr/>
+            <p:nvPr/>
+          </p:nvSpPr>
+          <p:spPr>
+            <a:xfrm>
+              <a:off x="0" y="-1"/>
+              <a:ext cx="2743200" cy="4572000"/>
+            </a:xfrm>
+            <a:prstGeom prst="rect">
+              <a:avLst/>
+            </a:prstGeom>
+            <a:solidFill>
+              <a:srgbClr val="000064"/>
+            </a:solidFill>
+            <a:ln>
+              <a:noFill/>
+            </a:ln>
+          </p:spPr>
+          <p:style>
+            <a:lnRef idx="2">
+              <a:schemeClr val="accent1">
+                <a:shade val="50000"/>
+              </a:schemeClr>
+            </a:lnRef>
+            <a:fillRef idx="1">
+              <a:schemeClr val="accent1"/>
+            </a:fillRef>
+            <a:effectRef idx="0">
+              <a:schemeClr val="accent1"/>
+            </a:effectRef>
+            <a:fontRef idx="minor">
+              <a:schemeClr val="lt1"/>
+            </a:fontRef>
+          </p:style>
+          <p:txBody>
+            <a:bodyPr rtlCol="0" anchor="ctr"/>
+            <a:lstStyle/>
+            <a:p>
+              <a:pPr algn="ctr"/>
+              <a:endParaRPr lang="en-US"/>
+            </a:p>
+          </p:txBody>
+        </p:sp>
+        <p:sp>
+          <p:nvSpPr>
+            <p:cNvPr id="18" name="Half Frame 17"/>
+            <p:cNvSpPr/>
+            <p:nvPr/>
+          </p:nvSpPr>
+          <p:spPr>
+            <a:xfrm rot="18931537">
+              <a:off x="918971" y="1028700"/>
+              <a:ext cx="2514600" cy="2514600"/>
+            </a:xfrm>
+            <a:prstGeom prst="halfFrame">
+              <a:avLst/>
+            </a:prstGeom>
+            <a:solidFill>
+              <a:schemeClr val="bg1"/>
+            </a:solidFill>
+            <a:ln>
+              <a:noFill/>
+            </a:ln>
+          </p:spPr>
+          <p:style>
+            <a:lnRef idx="2">
+              <a:schemeClr val="accent1">
+                <a:shade val="50000"/>
+              </a:schemeClr>
+            </a:lnRef>
+            <a:fillRef idx="1">
+              <a:schemeClr val="accent1"/>
+            </a:fillRef>
+            <a:effectRef idx="0">
+              <a:schemeClr val="accent1"/>
+            </a:effectRef>
+            <a:fontRef idx="minor">
+              <a:schemeClr val="lt1"/>
+            </a:fontRef>
+          </p:style>
+          <p:txBody>
+            <a:bodyPr rtlCol="0" anchor="ctr"/>
+            <a:lstStyle/>
+            <a:p>
+              <a:pPr algn="ctr"/>
+              <a:endParaRPr lang="en-US">
+                <a:solidFill>
+                  <a:schemeClr val="tx1"/>
+                </a:solidFill>
+              </a:endParaRPr>
+            </a:p>
+          </p:txBody>
+        </p:sp>
+      </p:grpSp>
+    </p:spTree>
+    <p:extLst>
+      <p:ext uri="{BB962C8B-B14F-4D97-AF65-F5344CB8AC3E}">
         <p14:creationId xmlns:p14="http://schemas.microsoft.com/office/powerpoint/2010/main" val="2544371399"/>
       </p:ext>
     </p:extLst>
